--- a/Homework_8/Scrum_Vlad_Dmytrenko.pptx
+++ b/Homework_8/Scrum_Vlad_Dmytrenko.pptx
@@ -127,7 +127,7 @@
                 </a:uFill>
                 <a:latin typeface="Times New Roman"/>
               </a:rPr>
-              <a:t> </a:t>
+              <a:t>&lt;заголовок&gt;</a:t>
             </a:r>
             <a:endParaRPr b="0" lang="ru-RU" sz="1400" spc="-1" strike="noStrike">
               <a:solidFill>
@@ -178,7 +178,7 @@
                 </a:uFill>
                 <a:latin typeface="Times New Roman"/>
               </a:rPr>
-              <a:t> </a:t>
+              <a:t>&lt;дата/время&gt;</a:t>
             </a:r>
             <a:endParaRPr b="0" lang="ru-RU" sz="1400" spc="-1" strike="noStrike">
               <a:solidFill>
@@ -228,7 +228,7 @@
                 </a:uFill>
                 <a:latin typeface="Times New Roman"/>
               </a:rPr>
-              <a:t> </a:t>
+              <a:t>&lt;нижний колонтитул&gt;</a:t>
             </a:r>
             <a:endParaRPr b="0" lang="ru-RU" sz="1400" spc="-1" strike="noStrike">
               <a:solidFill>
@@ -267,7 +267,7 @@
           <a:bodyPr lIns="0" rIns="0" tIns="0" bIns="0" anchor="b"/>
           <a:p>
             <a:pPr algn="r"/>
-            <a:fld id="{3A6D450B-9F0D-4464-BDE6-02AED4FA9F06}" type="slidenum">
+            <a:fld id="{03FA534B-9D36-4904-B303-A9F3928CF7E0}" type="slidenum">
               <a:rPr b="0" lang="ru-RU" sz="1400" spc="-1" strike="noStrike">
                 <a:solidFill>
                   <a:srgbClr val="000000"/>
@@ -279,7 +279,7 @@
                 </a:uFill>
                 <a:latin typeface="Times New Roman"/>
               </a:rPr>
-              <a:t>1</a:t>
+              <a:t>&lt;номер&gt;</a:t>
             </a:fld>
             <a:endParaRPr b="0" lang="ru-RU" sz="1400" spc="-1" strike="noStrike">
               <a:solidFill>
@@ -331,7 +331,7 @@
         <p:spPr>
           <a:xfrm>
             <a:off x="685800" y="4400640"/>
-            <a:ext cx="5485680" cy="3599640"/>
+            <a:ext cx="5485320" cy="3599280"/>
           </a:xfrm>
           <a:prstGeom prst="rect">
             <a:avLst/>
@@ -363,7 +363,7 @@
         <p:spPr>
           <a:xfrm>
             <a:off x="3884760" y="8685360"/>
-            <a:ext cx="2971080" cy="457920"/>
+            <a:ext cx="2970720" cy="457560"/>
           </a:xfrm>
           <a:prstGeom prst="rect">
             <a:avLst/>
@@ -379,42 +379,6 @@
           <a:effectRef idx="0"/>
           <a:fontRef idx="minor"/>
         </p:style>
-        <p:txBody>
-          <a:bodyPr lIns="90000" rIns="90000" tIns="45000" bIns="45000" anchor="b"/>
-          <a:p>
-            <a:pPr algn="r">
-              <a:lnSpc>
-                <a:spcPct val="100000"/>
-              </a:lnSpc>
-            </a:pPr>
-            <a:fld id="{03B78850-0FF2-4A1D-B414-2EDC48C5AB42}" type="slidenum">
-              <a:rPr b="0" lang="ru-RU" sz="1200" spc="-1" strike="noStrike">
-                <a:solidFill>
-                  <a:srgbClr val="000000"/>
-                </a:solidFill>
-                <a:uFill>
-                  <a:solidFill>
-                    <a:srgbClr val="ffffff"/>
-                  </a:solidFill>
-                </a:uFill>
-                <a:latin typeface="+mn-lt"/>
-                <a:ea typeface="+mn-ea"/>
-              </a:rPr>
-              <a:t>1</a:t>
-            </a:fld>
-            <a:endParaRPr b="0" lang="ru-RU" sz="1800" spc="-1" strike="noStrike">
-              <a:solidFill>
-                <a:srgbClr val="000000"/>
-              </a:solidFill>
-              <a:uFill>
-                <a:solidFill>
-                  <a:srgbClr val="ffffff"/>
-                </a:solidFill>
-              </a:uFill>
-              <a:latin typeface="Arial"/>
-            </a:endParaRPr>
-          </a:p>
-        </p:txBody>
       </p:sp>
     </p:spTree>
   </p:cSld>
@@ -451,7 +415,7 @@
         <p:spPr>
           <a:xfrm>
             <a:off x="685800" y="4400640"/>
-            <a:ext cx="5485680" cy="3599640"/>
+            <a:ext cx="5485320" cy="3599280"/>
           </a:xfrm>
           <a:prstGeom prst="rect">
             <a:avLst/>
@@ -483,7 +447,7 @@
         <p:spPr>
           <a:xfrm>
             <a:off x="3884760" y="8685360"/>
-            <a:ext cx="2971080" cy="457920"/>
+            <a:ext cx="2970720" cy="457560"/>
           </a:xfrm>
           <a:prstGeom prst="rect">
             <a:avLst/>
@@ -499,42 +463,6 @@
           <a:effectRef idx="0"/>
           <a:fontRef idx="minor"/>
         </p:style>
-        <p:txBody>
-          <a:bodyPr lIns="90000" rIns="90000" tIns="45000" bIns="45000" anchor="b"/>
-          <a:p>
-            <a:pPr algn="r">
-              <a:lnSpc>
-                <a:spcPct val="100000"/>
-              </a:lnSpc>
-            </a:pPr>
-            <a:fld id="{98A2D548-362F-48E4-8D18-9A81DFBC1AEF}" type="slidenum">
-              <a:rPr b="0" lang="ru-RU" sz="1200" spc="-1" strike="noStrike">
-                <a:solidFill>
-                  <a:srgbClr val="000000"/>
-                </a:solidFill>
-                <a:uFill>
-                  <a:solidFill>
-                    <a:srgbClr val="ffffff"/>
-                  </a:solidFill>
-                </a:uFill>
-                <a:latin typeface="+mn-lt"/>
-                <a:ea typeface="+mn-ea"/>
-              </a:rPr>
-              <a:t>1</a:t>
-            </a:fld>
-            <a:endParaRPr b="0" lang="ru-RU" sz="1800" spc="-1" strike="noStrike">
-              <a:solidFill>
-                <a:srgbClr val="000000"/>
-              </a:solidFill>
-              <a:uFill>
-                <a:solidFill>
-                  <a:srgbClr val="ffffff"/>
-                </a:solidFill>
-              </a:uFill>
-              <a:latin typeface="Arial"/>
-            </a:endParaRPr>
-          </a:p>
-        </p:txBody>
       </p:sp>
     </p:spTree>
   </p:cSld>
@@ -571,7 +499,7 @@
         <p:spPr>
           <a:xfrm>
             <a:off x="685800" y="4400640"/>
-            <a:ext cx="5485680" cy="3599640"/>
+            <a:ext cx="5485320" cy="3599280"/>
           </a:xfrm>
           <a:prstGeom prst="rect">
             <a:avLst/>
@@ -603,7 +531,7 @@
         <p:spPr>
           <a:xfrm>
             <a:off x="3884760" y="8685360"/>
-            <a:ext cx="2971080" cy="457920"/>
+            <a:ext cx="2970720" cy="457560"/>
           </a:xfrm>
           <a:prstGeom prst="rect">
             <a:avLst/>
@@ -619,42 +547,6 @@
           <a:effectRef idx="0"/>
           <a:fontRef idx="minor"/>
         </p:style>
-        <p:txBody>
-          <a:bodyPr lIns="90000" rIns="90000" tIns="45000" bIns="45000" anchor="b"/>
-          <a:p>
-            <a:pPr algn="r">
-              <a:lnSpc>
-                <a:spcPct val="100000"/>
-              </a:lnSpc>
-            </a:pPr>
-            <a:fld id="{81267EA0-E752-49D8-9EF4-023D7F06DCAB}" type="slidenum">
-              <a:rPr b="0" lang="ru-RU" sz="1200" spc="-1" strike="noStrike">
-                <a:solidFill>
-                  <a:srgbClr val="000000"/>
-                </a:solidFill>
-                <a:uFill>
-                  <a:solidFill>
-                    <a:srgbClr val="ffffff"/>
-                  </a:solidFill>
-                </a:uFill>
-                <a:latin typeface="+mn-lt"/>
-                <a:ea typeface="+mn-ea"/>
-              </a:rPr>
-              <a:t>1</a:t>
-            </a:fld>
-            <a:endParaRPr b="0" lang="ru-RU" sz="1800" spc="-1" strike="noStrike">
-              <a:solidFill>
-                <a:srgbClr val="000000"/>
-              </a:solidFill>
-              <a:uFill>
-                <a:solidFill>
-                  <a:srgbClr val="ffffff"/>
-                </a:solidFill>
-              </a:uFill>
-              <a:latin typeface="Arial"/>
-            </a:endParaRPr>
-          </a:p>
-        </p:txBody>
       </p:sp>
     </p:spTree>
   </p:cSld>
@@ -691,7 +583,7 @@
         <p:spPr>
           <a:xfrm>
             <a:off x="685800" y="4400640"/>
-            <a:ext cx="5485680" cy="3599640"/>
+            <a:ext cx="5485320" cy="3599280"/>
           </a:xfrm>
           <a:prstGeom prst="rect">
             <a:avLst/>
@@ -723,7 +615,7 @@
         <p:spPr>
           <a:xfrm>
             <a:off x="3884760" y="8685360"/>
-            <a:ext cx="2971080" cy="457920"/>
+            <a:ext cx="2970720" cy="457560"/>
           </a:xfrm>
           <a:prstGeom prst="rect">
             <a:avLst/>
@@ -739,42 +631,6 @@
           <a:effectRef idx="0"/>
           <a:fontRef idx="minor"/>
         </p:style>
-        <p:txBody>
-          <a:bodyPr lIns="90000" rIns="90000" tIns="45000" bIns="45000" anchor="b"/>
-          <a:p>
-            <a:pPr algn="r">
-              <a:lnSpc>
-                <a:spcPct val="100000"/>
-              </a:lnSpc>
-            </a:pPr>
-            <a:fld id="{47EDD616-8F69-49BB-9CDC-4EBD0A4CB2B2}" type="slidenum">
-              <a:rPr b="0" lang="ru-RU" sz="1200" spc="-1" strike="noStrike">
-                <a:solidFill>
-                  <a:srgbClr val="000000"/>
-                </a:solidFill>
-                <a:uFill>
-                  <a:solidFill>
-                    <a:srgbClr val="ffffff"/>
-                  </a:solidFill>
-                </a:uFill>
-                <a:latin typeface="+mn-lt"/>
-                <a:ea typeface="+mn-ea"/>
-              </a:rPr>
-              <a:t>1</a:t>
-            </a:fld>
-            <a:endParaRPr b="0" lang="ru-RU" sz="1800" spc="-1" strike="noStrike">
-              <a:solidFill>
-                <a:srgbClr val="000000"/>
-              </a:solidFill>
-              <a:uFill>
-                <a:solidFill>
-                  <a:srgbClr val="ffffff"/>
-                </a:solidFill>
-              </a:uFill>
-              <a:latin typeface="Arial"/>
-            </a:endParaRPr>
-          </a:p>
-        </p:txBody>
       </p:sp>
     </p:spTree>
   </p:cSld>
@@ -811,7 +667,7 @@
         <p:spPr>
           <a:xfrm>
             <a:off x="685800" y="4400640"/>
-            <a:ext cx="5485680" cy="3599640"/>
+            <a:ext cx="5485320" cy="3599280"/>
           </a:xfrm>
           <a:prstGeom prst="rect">
             <a:avLst/>
@@ -843,7 +699,7 @@
         <p:spPr>
           <a:xfrm>
             <a:off x="3884760" y="8685360"/>
-            <a:ext cx="2971080" cy="457920"/>
+            <a:ext cx="2970720" cy="457560"/>
           </a:xfrm>
           <a:prstGeom prst="rect">
             <a:avLst/>
@@ -859,42 +715,6 @@
           <a:effectRef idx="0"/>
           <a:fontRef idx="minor"/>
         </p:style>
-        <p:txBody>
-          <a:bodyPr lIns="90000" rIns="90000" tIns="45000" bIns="45000" anchor="b"/>
-          <a:p>
-            <a:pPr algn="r">
-              <a:lnSpc>
-                <a:spcPct val="100000"/>
-              </a:lnSpc>
-            </a:pPr>
-            <a:fld id="{B213A42B-A3E9-406B-9701-BCA112AB8CD6}" type="slidenum">
-              <a:rPr b="0" lang="ru-RU" sz="1200" spc="-1" strike="noStrike">
-                <a:solidFill>
-                  <a:srgbClr val="000000"/>
-                </a:solidFill>
-                <a:uFill>
-                  <a:solidFill>
-                    <a:srgbClr val="ffffff"/>
-                  </a:solidFill>
-                </a:uFill>
-                <a:latin typeface="+mn-lt"/>
-                <a:ea typeface="+mn-ea"/>
-              </a:rPr>
-              <a:t>1</a:t>
-            </a:fld>
-            <a:endParaRPr b="0" lang="ru-RU" sz="1800" spc="-1" strike="noStrike">
-              <a:solidFill>
-                <a:srgbClr val="000000"/>
-              </a:solidFill>
-              <a:uFill>
-                <a:solidFill>
-                  <a:srgbClr val="ffffff"/>
-                </a:solidFill>
-              </a:uFill>
-              <a:latin typeface="Arial"/>
-            </a:endParaRPr>
-          </a:p>
-        </p:txBody>
       </p:sp>
     </p:spTree>
   </p:cSld>
@@ -931,7 +751,7 @@
         <p:spPr>
           <a:xfrm>
             <a:off x="685800" y="4400640"/>
-            <a:ext cx="5485680" cy="3599640"/>
+            <a:ext cx="5485320" cy="3599280"/>
           </a:xfrm>
           <a:prstGeom prst="rect">
             <a:avLst/>
@@ -963,7 +783,7 @@
         <p:spPr>
           <a:xfrm>
             <a:off x="3884760" y="8685360"/>
-            <a:ext cx="2971080" cy="457920"/>
+            <a:ext cx="2970720" cy="457560"/>
           </a:xfrm>
           <a:prstGeom prst="rect">
             <a:avLst/>
@@ -979,42 +799,6 @@
           <a:effectRef idx="0"/>
           <a:fontRef idx="minor"/>
         </p:style>
-        <p:txBody>
-          <a:bodyPr lIns="90000" rIns="90000" tIns="45000" bIns="45000" anchor="b"/>
-          <a:p>
-            <a:pPr algn="r">
-              <a:lnSpc>
-                <a:spcPct val="100000"/>
-              </a:lnSpc>
-            </a:pPr>
-            <a:fld id="{AD3F516E-8E1B-43D2-B782-0EAB714EBCC9}" type="slidenum">
-              <a:rPr b="0" lang="ru-RU" sz="1200" spc="-1" strike="noStrike">
-                <a:solidFill>
-                  <a:srgbClr val="000000"/>
-                </a:solidFill>
-                <a:uFill>
-                  <a:solidFill>
-                    <a:srgbClr val="ffffff"/>
-                  </a:solidFill>
-                </a:uFill>
-                <a:latin typeface="+mn-lt"/>
-                <a:ea typeface="+mn-ea"/>
-              </a:rPr>
-              <a:t>1</a:t>
-            </a:fld>
-            <a:endParaRPr b="0" lang="ru-RU" sz="1800" spc="-1" strike="noStrike">
-              <a:solidFill>
-                <a:srgbClr val="000000"/>
-              </a:solidFill>
-              <a:uFill>
-                <a:solidFill>
-                  <a:srgbClr val="ffffff"/>
-                </a:solidFill>
-              </a:uFill>
-              <a:latin typeface="Arial"/>
-            </a:endParaRPr>
-          </a:p>
-        </p:txBody>
       </p:sp>
     </p:spTree>
   </p:cSld>
@@ -1051,7 +835,7 @@
         <p:spPr>
           <a:xfrm>
             <a:off x="685800" y="4400640"/>
-            <a:ext cx="5485680" cy="3599640"/>
+            <a:ext cx="5485320" cy="3599280"/>
           </a:xfrm>
           <a:prstGeom prst="rect">
             <a:avLst/>
@@ -1083,7 +867,7 @@
         <p:spPr>
           <a:xfrm>
             <a:off x="3884760" y="8685360"/>
-            <a:ext cx="2971080" cy="457920"/>
+            <a:ext cx="2970720" cy="457560"/>
           </a:xfrm>
           <a:prstGeom prst="rect">
             <a:avLst/>
@@ -1099,42 +883,6 @@
           <a:effectRef idx="0"/>
           <a:fontRef idx="minor"/>
         </p:style>
-        <p:txBody>
-          <a:bodyPr lIns="90000" rIns="90000" tIns="45000" bIns="45000" anchor="b"/>
-          <a:p>
-            <a:pPr algn="r">
-              <a:lnSpc>
-                <a:spcPct val="100000"/>
-              </a:lnSpc>
-            </a:pPr>
-            <a:fld id="{BEC45D1D-8AF9-4655-A11D-B6006C598AB1}" type="slidenum">
-              <a:rPr b="0" lang="ru-RU" sz="1200" spc="-1" strike="noStrike">
-                <a:solidFill>
-                  <a:srgbClr val="000000"/>
-                </a:solidFill>
-                <a:uFill>
-                  <a:solidFill>
-                    <a:srgbClr val="ffffff"/>
-                  </a:solidFill>
-                </a:uFill>
-                <a:latin typeface="+mn-lt"/>
-                <a:ea typeface="+mn-ea"/>
-              </a:rPr>
-              <a:t>1</a:t>
-            </a:fld>
-            <a:endParaRPr b="0" lang="ru-RU" sz="1800" spc="-1" strike="noStrike">
-              <a:solidFill>
-                <a:srgbClr val="000000"/>
-              </a:solidFill>
-              <a:uFill>
-                <a:solidFill>
-                  <a:srgbClr val="ffffff"/>
-                </a:solidFill>
-              </a:uFill>
-              <a:latin typeface="Arial"/>
-            </a:endParaRPr>
-          </a:p>
-        </p:txBody>
       </p:sp>
     </p:spTree>
   </p:cSld>
@@ -1171,7 +919,7 @@
         <p:spPr>
           <a:xfrm>
             <a:off x="685800" y="4400640"/>
-            <a:ext cx="5485680" cy="3599640"/>
+            <a:ext cx="5485320" cy="3599280"/>
           </a:xfrm>
           <a:prstGeom prst="rect">
             <a:avLst/>
@@ -1203,7 +951,7 @@
         <p:spPr>
           <a:xfrm>
             <a:off x="3884760" y="8685360"/>
-            <a:ext cx="2971080" cy="457920"/>
+            <a:ext cx="2970720" cy="457560"/>
           </a:xfrm>
           <a:prstGeom prst="rect">
             <a:avLst/>
@@ -1219,42 +967,6 @@
           <a:effectRef idx="0"/>
           <a:fontRef idx="minor"/>
         </p:style>
-        <p:txBody>
-          <a:bodyPr lIns="90000" rIns="90000" tIns="45000" bIns="45000" anchor="b"/>
-          <a:p>
-            <a:pPr algn="r">
-              <a:lnSpc>
-                <a:spcPct val="100000"/>
-              </a:lnSpc>
-            </a:pPr>
-            <a:fld id="{6C70C615-163D-42A9-A569-0AE30BB3860F}" type="slidenum">
-              <a:rPr b="0" lang="ru-RU" sz="1200" spc="-1" strike="noStrike">
-                <a:solidFill>
-                  <a:srgbClr val="000000"/>
-                </a:solidFill>
-                <a:uFill>
-                  <a:solidFill>
-                    <a:srgbClr val="ffffff"/>
-                  </a:solidFill>
-                </a:uFill>
-                <a:latin typeface="+mn-lt"/>
-                <a:ea typeface="+mn-ea"/>
-              </a:rPr>
-              <a:t>1</a:t>
-            </a:fld>
-            <a:endParaRPr b="0" lang="ru-RU" sz="1800" spc="-1" strike="noStrike">
-              <a:solidFill>
-                <a:srgbClr val="000000"/>
-              </a:solidFill>
-              <a:uFill>
-                <a:solidFill>
-                  <a:srgbClr val="ffffff"/>
-                </a:solidFill>
-              </a:uFill>
-              <a:latin typeface="Arial"/>
-            </a:endParaRPr>
-          </a:p>
-        </p:txBody>
       </p:sp>
     </p:spTree>
   </p:cSld>
@@ -1291,7 +1003,7 @@
         <p:spPr>
           <a:xfrm>
             <a:off x="685800" y="4400640"/>
-            <a:ext cx="5485680" cy="3599640"/>
+            <a:ext cx="5485320" cy="3599280"/>
           </a:xfrm>
           <a:prstGeom prst="rect">
             <a:avLst/>
@@ -1323,7 +1035,7 @@
         <p:spPr>
           <a:xfrm>
             <a:off x="3884760" y="8685360"/>
-            <a:ext cx="2971080" cy="457920"/>
+            <a:ext cx="2970720" cy="457560"/>
           </a:xfrm>
           <a:prstGeom prst="rect">
             <a:avLst/>
@@ -1339,42 +1051,6 @@
           <a:effectRef idx="0"/>
           <a:fontRef idx="minor"/>
         </p:style>
-        <p:txBody>
-          <a:bodyPr lIns="90000" rIns="90000" tIns="45000" bIns="45000" anchor="b"/>
-          <a:p>
-            <a:pPr algn="r">
-              <a:lnSpc>
-                <a:spcPct val="100000"/>
-              </a:lnSpc>
-            </a:pPr>
-            <a:fld id="{AD83BAD7-9185-45C3-B904-1DE8B8939FE4}" type="slidenum">
-              <a:rPr b="0" lang="ru-RU" sz="1200" spc="-1" strike="noStrike">
-                <a:solidFill>
-                  <a:srgbClr val="000000"/>
-                </a:solidFill>
-                <a:uFill>
-                  <a:solidFill>
-                    <a:srgbClr val="ffffff"/>
-                  </a:solidFill>
-                </a:uFill>
-                <a:latin typeface="+mn-lt"/>
-                <a:ea typeface="+mn-ea"/>
-              </a:rPr>
-              <a:t>1</a:t>
-            </a:fld>
-            <a:endParaRPr b="0" lang="ru-RU" sz="1800" spc="-1" strike="noStrike">
-              <a:solidFill>
-                <a:srgbClr val="000000"/>
-              </a:solidFill>
-              <a:uFill>
-                <a:solidFill>
-                  <a:srgbClr val="ffffff"/>
-                </a:solidFill>
-              </a:uFill>
-              <a:latin typeface="Arial"/>
-            </a:endParaRPr>
-          </a:p>
-        </p:txBody>
       </p:sp>
     </p:spTree>
   </p:cSld>
@@ -1411,7 +1087,7 @@
         <p:spPr>
           <a:xfrm>
             <a:off x="685800" y="4400640"/>
-            <a:ext cx="5485680" cy="3599640"/>
+            <a:ext cx="5485320" cy="3599280"/>
           </a:xfrm>
           <a:prstGeom prst="rect">
             <a:avLst/>
@@ -1443,7 +1119,7 @@
         <p:spPr>
           <a:xfrm>
             <a:off x="3884760" y="8685360"/>
-            <a:ext cx="2971080" cy="457920"/>
+            <a:ext cx="2970720" cy="457560"/>
           </a:xfrm>
           <a:prstGeom prst="rect">
             <a:avLst/>
@@ -1459,42 +1135,6 @@
           <a:effectRef idx="0"/>
           <a:fontRef idx="minor"/>
         </p:style>
-        <p:txBody>
-          <a:bodyPr lIns="90000" rIns="90000" tIns="45000" bIns="45000" anchor="b"/>
-          <a:p>
-            <a:pPr algn="r">
-              <a:lnSpc>
-                <a:spcPct val="100000"/>
-              </a:lnSpc>
-            </a:pPr>
-            <a:fld id="{B00BE3FF-8D1E-4A69-9094-389E76B53C43}" type="slidenum">
-              <a:rPr b="0" lang="ru-RU" sz="1200" spc="-1" strike="noStrike">
-                <a:solidFill>
-                  <a:srgbClr val="000000"/>
-                </a:solidFill>
-                <a:uFill>
-                  <a:solidFill>
-                    <a:srgbClr val="ffffff"/>
-                  </a:solidFill>
-                </a:uFill>
-                <a:latin typeface="+mn-lt"/>
-                <a:ea typeface="+mn-ea"/>
-              </a:rPr>
-              <a:t>1</a:t>
-            </a:fld>
-            <a:endParaRPr b="0" lang="ru-RU" sz="1800" spc="-1" strike="noStrike">
-              <a:solidFill>
-                <a:srgbClr val="000000"/>
-              </a:solidFill>
-              <a:uFill>
-                <a:solidFill>
-                  <a:srgbClr val="ffffff"/>
-                </a:solidFill>
-              </a:uFill>
-              <a:latin typeface="Arial"/>
-            </a:endParaRPr>
-          </a:p>
-        </p:txBody>
       </p:sp>
     </p:spTree>
   </p:cSld>
@@ -4488,8 +4128,8 @@
         </p:nvSpPr>
         <p:spPr>
           <a:xfrm>
-            <a:off x="2324160" y="365040"/>
-            <a:ext cx="9029160" cy="1324800"/>
+            <a:off x="609480" y="221040"/>
+            <a:ext cx="10972080" cy="1249920"/>
           </a:xfrm>
           <a:prstGeom prst="rect">
             <a:avLst/>
@@ -4526,7 +4166,7 @@
         <p:spPr>
           <a:xfrm>
             <a:off x="609480" y="1604520"/>
-            <a:ext cx="10972440" cy="3977280"/>
+            <a:ext cx="10972080" cy="3976920"/>
           </a:xfrm>
           <a:prstGeom prst="rect">
             <a:avLst/>
@@ -4544,7 +4184,7 @@
               <a:buChar char=""/>
             </a:pPr>
             <a:r>
-              <a:rPr b="0" lang="ru-RU" sz="3200" spc="-1" strike="noStrike">
+              <a:rPr b="0" lang="ru-RU" sz="1800" spc="-1" strike="noStrike">
                 <a:solidFill>
                   <a:srgbClr val="000000"/>
                 </a:solidFill>
@@ -4557,7 +4197,7 @@
               </a:rPr>
               <a:t>Для правки структуры щёлкните мышью</a:t>
             </a:r>
-            <a:endParaRPr b="0" lang="ru-RU" sz="3200" spc="-1" strike="noStrike">
+            <a:endParaRPr b="0" lang="ru-RU" sz="1800" spc="-1" strike="noStrike">
               <a:solidFill>
                 <a:srgbClr val="000000"/>
               </a:solidFill>
@@ -4579,7 +4219,7 @@
               <a:buChar char=""/>
             </a:pPr>
             <a:r>
-              <a:rPr b="0" lang="ru-RU" sz="2800" spc="-1" strike="noStrike">
+              <a:rPr b="0" lang="ru-RU" sz="1800" spc="-1" strike="noStrike">
                 <a:solidFill>
                   <a:srgbClr val="000000"/>
                 </a:solidFill>
@@ -4592,7 +4232,7 @@
               </a:rPr>
               <a:t>Второй уровень структуры</a:t>
             </a:r>
-            <a:endParaRPr b="0" lang="ru-RU" sz="2800" spc="-1" strike="noStrike">
+            <a:endParaRPr b="0" lang="ru-RU" sz="1800" spc="-1" strike="noStrike">
               <a:solidFill>
                 <a:srgbClr val="000000"/>
               </a:solidFill>
@@ -4614,7 +4254,7 @@
               <a:buChar char=""/>
             </a:pPr>
             <a:r>
-              <a:rPr b="0" lang="ru-RU" sz="2400" spc="-1" strike="noStrike">
+              <a:rPr b="0" lang="ru-RU" sz="1800" spc="-1" strike="noStrike">
                 <a:solidFill>
                   <a:srgbClr val="000000"/>
                 </a:solidFill>
@@ -4627,7 +4267,7 @@
               </a:rPr>
               <a:t>Третий уровень структуры</a:t>
             </a:r>
-            <a:endParaRPr b="0" lang="ru-RU" sz="2400" spc="-1" strike="noStrike">
+            <a:endParaRPr b="0" lang="ru-RU" sz="1800" spc="-1" strike="noStrike">
               <a:solidFill>
                 <a:srgbClr val="000000"/>
               </a:solidFill>
@@ -4649,7 +4289,7 @@
               <a:buChar char=""/>
             </a:pPr>
             <a:r>
-              <a:rPr b="0" lang="ru-RU" sz="2000" spc="-1" strike="noStrike">
+              <a:rPr b="0" lang="ru-RU" sz="1800" spc="-1" strike="noStrike">
                 <a:solidFill>
                   <a:srgbClr val="000000"/>
                 </a:solidFill>
@@ -4662,7 +4302,7 @@
               </a:rPr>
               <a:t>Четвёртый уровень структуры</a:t>
             </a:r>
-            <a:endParaRPr b="0" lang="ru-RU" sz="2000" spc="-1" strike="noStrike">
+            <a:endParaRPr b="0" lang="ru-RU" sz="1800" spc="-1" strike="noStrike">
               <a:solidFill>
                 <a:srgbClr val="000000"/>
               </a:solidFill>
@@ -4684,7 +4324,7 @@
               <a:buChar char=""/>
             </a:pPr>
             <a:r>
-              <a:rPr b="0" lang="ru-RU" sz="2000" spc="-1" strike="noStrike">
+              <a:rPr b="0" lang="ru-RU" sz="1800" spc="-1" strike="noStrike">
                 <a:solidFill>
                   <a:srgbClr val="000000"/>
                 </a:solidFill>
@@ -4697,7 +4337,7 @@
               </a:rPr>
               <a:t>Пятый уровень структуры</a:t>
             </a:r>
-            <a:endParaRPr b="0" lang="ru-RU" sz="2000" spc="-1" strike="noStrike">
+            <a:endParaRPr b="0" lang="ru-RU" sz="1800" spc="-1" strike="noStrike">
               <a:solidFill>
                 <a:srgbClr val="000000"/>
               </a:solidFill>
@@ -4719,7 +4359,7 @@
               <a:buChar char=""/>
             </a:pPr>
             <a:r>
-              <a:rPr b="0" lang="ru-RU" sz="2000" spc="-1" strike="noStrike">
+              <a:rPr b="0" lang="ru-RU" sz="1800" spc="-1" strike="noStrike">
                 <a:solidFill>
                   <a:srgbClr val="000000"/>
                 </a:solidFill>
@@ -4732,7 +4372,7 @@
               </a:rPr>
               <a:t>Шестой уровень структуры</a:t>
             </a:r>
-            <a:endParaRPr b="0" lang="ru-RU" sz="2000" spc="-1" strike="noStrike">
+            <a:endParaRPr b="0" lang="ru-RU" sz="1800" spc="-1" strike="noStrike">
               <a:solidFill>
                 <a:srgbClr val="000000"/>
               </a:solidFill>
@@ -4754,7 +4394,7 @@
               <a:buChar char=""/>
             </a:pPr>
             <a:r>
-              <a:rPr b="0" lang="ru-RU" sz="2000" spc="-1" strike="noStrike">
+              <a:rPr b="0" lang="ru-RU" sz="1800" spc="-1" strike="noStrike">
                 <a:solidFill>
                   <a:srgbClr val="000000"/>
                 </a:solidFill>
@@ -4767,7 +4407,7 @@
               </a:rPr>
               <a:t>Седьмой уровень структуры</a:t>
             </a:r>
-            <a:endParaRPr b="0" lang="ru-RU" sz="2000" spc="-1" strike="noStrike">
+            <a:endParaRPr b="0" lang="ru-RU" sz="1800" spc="-1" strike="noStrike">
               <a:solidFill>
                 <a:srgbClr val="000000"/>
               </a:solidFill>
@@ -5193,7 +4833,7 @@
         <p:spPr>
           <a:xfrm>
             <a:off x="1523880" y="1041480"/>
-            <a:ext cx="9143280" cy="2386800"/>
+            <a:ext cx="9142920" cy="2386440"/>
           </a:xfrm>
           <a:prstGeom prst="rect">
             <a:avLst/>
@@ -5228,6 +4868,7 @@
                   </a:solidFill>
                 </a:uFill>
                 <a:latin typeface="Cambria"/>
+                <a:ea typeface="DejaVu Sans"/>
               </a:rPr>
               <a:t>Scrum</a:t>
             </a:r>
@@ -5254,7 +4895,7 @@
         <p:spPr>
           <a:xfrm>
             <a:off x="1523880" y="3602160"/>
-            <a:ext cx="9143280" cy="1654920"/>
+            <a:ext cx="9142920" cy="1654560"/>
           </a:xfrm>
           <a:prstGeom prst="rect">
             <a:avLst/>
@@ -5289,6 +4930,7 @@
                   </a:solidFill>
                 </a:uFill>
                 <a:latin typeface="Calibri"/>
+                <a:ea typeface="DejaVu Sans"/>
               </a:rPr>
               <a:t>this is a flexible way to manage a project</a:t>
             </a:r>
@@ -5308,7 +4950,7 @@
       </p:sp>
     </p:spTree>
   </p:cSld>
-  <p:transition spd="med" advTm="10000">
+  <p:transition spd="med">
     <p:wipe dir="u"/>
   </p:transition>
   <p:timing>
@@ -5367,7 +5009,7 @@
         <p:spPr>
           <a:xfrm>
             <a:off x="576000" y="331200"/>
-            <a:ext cx="9029160" cy="1324800"/>
+            <a:ext cx="9028800" cy="1324440"/>
           </a:xfrm>
           <a:prstGeom prst="rect">
             <a:avLst/>
@@ -5402,6 +5044,7 @@
                   </a:solidFill>
                 </a:uFill>
                 <a:latin typeface="Cambria"/>
+                <a:ea typeface="DejaVu Sans"/>
               </a:rPr>
               <a:t>Roles</a:t>
             </a:r>
@@ -5428,7 +5071,7 @@
         <p:spPr>
           <a:xfrm>
             <a:off x="505080" y="1656000"/>
-            <a:ext cx="9790920" cy="4350600"/>
+            <a:ext cx="9790560" cy="4350240"/>
           </a:xfrm>
           <a:prstGeom prst="rect">
             <a:avLst/>
@@ -5463,6 +5106,7 @@
                   </a:solidFill>
                 </a:uFill>
                 <a:latin typeface="Calibri"/>
+                <a:ea typeface="DejaVu Sans"/>
               </a:rPr>
               <a:t>The development team is a multifunctional project development team consisting of professionals of various profiles: testers, architects, analysts, programmers, etc. Ideally, the size of the team is from 3 to 9 people. The team is the only fully involved development partner and is responsible for the overall result. No one but the team can interfere in the development process during the sprint.</a:t>
             </a:r>
@@ -5482,7 +5126,7 @@
       </p:sp>
     </p:spTree>
   </p:cSld>
-  <p:transition spd="med" advTm="10000">
+  <p:transition spd="med">
     <p:wipe dir="u"/>
   </p:transition>
   <p:timing>
@@ -5541,7 +5185,7 @@
         <p:spPr>
           <a:xfrm>
             <a:off x="432000" y="216000"/>
-            <a:ext cx="9029160" cy="1324800"/>
+            <a:ext cx="9028800" cy="1324440"/>
           </a:xfrm>
           <a:prstGeom prst="rect">
             <a:avLst/>
@@ -5576,6 +5220,7 @@
                   </a:solidFill>
                 </a:uFill>
                 <a:latin typeface="Cambria"/>
+                <a:ea typeface="DejaVu Sans"/>
               </a:rPr>
               <a:t>Main activities</a:t>
             </a:r>
@@ -5602,7 +5247,7 @@
         <p:spPr>
           <a:xfrm>
             <a:off x="505080" y="1440000"/>
-            <a:ext cx="9790920" cy="4350600"/>
+            <a:ext cx="9790560" cy="4350240"/>
           </a:xfrm>
           <a:prstGeom prst="rect">
             <a:avLst/>
@@ -5621,7 +5266,7 @@
         <p:txBody>
           <a:bodyPr lIns="90000" rIns="90000" tIns="45000" bIns="45000"/>
           <a:p>
-            <a:pPr marL="228600" indent="-227880">
+            <a:pPr marL="228600" indent="-227520">
               <a:lnSpc>
                 <a:spcPct val="90000"/>
               </a:lnSpc>
@@ -5642,6 +5287,7 @@
                   </a:solidFill>
                 </a:uFill>
                 <a:latin typeface="Calibri"/>
+                <a:ea typeface="DejaVu Sans"/>
               </a:rPr>
               <a:t>Product backlog</a:t>
             </a:r>
@@ -5658,7 +5304,7 @@
             </a:endParaRPr>
           </a:p>
           <a:p>
-            <a:pPr lvl="1" marL="685800" indent="-227880">
+            <a:pPr lvl="1" marL="685800" indent="-227520">
               <a:lnSpc>
                 <a:spcPct val="100000"/>
               </a:lnSpc>
@@ -5679,6 +5325,7 @@
                   </a:solidFill>
                 </a:uFill>
                 <a:latin typeface="Calibri"/>
+                <a:ea typeface="DejaVu Sans"/>
               </a:rPr>
               <a:t>requirements</a:t>
             </a:r>
@@ -5695,7 +5342,7 @@
             </a:endParaRPr>
           </a:p>
           <a:p>
-            <a:pPr lvl="1" marL="685800" indent="-227880">
+            <a:pPr lvl="1" marL="685800" indent="-227520">
               <a:lnSpc>
                 <a:spcPct val="100000"/>
               </a:lnSpc>
@@ -5716,6 +5363,7 @@
                   </a:solidFill>
                 </a:uFill>
                 <a:latin typeface="Calibri"/>
+                <a:ea typeface="DejaVu Sans"/>
               </a:rPr>
               <a:t>priorities</a:t>
             </a:r>
@@ -5732,7 +5380,7 @@
             </a:endParaRPr>
           </a:p>
           <a:p>
-            <a:pPr marL="228600" indent="-227880">
+            <a:pPr marL="228600" indent="-227520">
               <a:lnSpc>
                 <a:spcPct val="90000"/>
               </a:lnSpc>
@@ -5753,6 +5401,7 @@
                   </a:solidFill>
                 </a:uFill>
                 <a:latin typeface="Calibri"/>
+                <a:ea typeface="DejaVu Sans"/>
               </a:rPr>
               <a:t>Sprint backlog</a:t>
             </a:r>
@@ -5769,7 +5418,7 @@
             </a:endParaRPr>
           </a:p>
           <a:p>
-            <a:pPr lvl="1" marL="685800" indent="-227880">
+            <a:pPr lvl="1" marL="685800" indent="-227520">
               <a:lnSpc>
                 <a:spcPct val="100000"/>
               </a:lnSpc>
@@ -5790,6 +5439,7 @@
                   </a:solidFill>
                 </a:uFill>
                 <a:latin typeface="Calibri"/>
+                <a:ea typeface="DejaVu Sans"/>
               </a:rPr>
               <a:t>Planning the sprint backlog</a:t>
             </a:r>
@@ -5806,7 +5456,7 @@
             </a:endParaRPr>
           </a:p>
           <a:p>
-            <a:pPr lvl="2" marL="1143000" indent="-227880">
+            <a:pPr lvl="2" marL="1143000" indent="-227520">
               <a:lnSpc>
                 <a:spcPct val="100000"/>
               </a:lnSpc>
@@ -5827,6 +5477,7 @@
                   </a:solidFill>
                 </a:uFill>
                 <a:latin typeface="Calibri"/>
+                <a:ea typeface="DejaVu Sans"/>
               </a:rPr>
               <a:t>define a sprint goal</a:t>
             </a:r>
@@ -5843,7 +5494,7 @@
             </a:endParaRPr>
           </a:p>
           <a:p>
-            <a:pPr lvl="2" marL="1143000" indent="-227880">
+            <a:pPr lvl="2" marL="1143000" indent="-227520">
               <a:lnSpc>
                 <a:spcPct val="100000"/>
               </a:lnSpc>
@@ -5864,6 +5515,7 @@
                   </a:solidFill>
                 </a:uFill>
                 <a:latin typeface="Calibri"/>
+                <a:ea typeface="DejaVu Sans"/>
               </a:rPr>
               <a:t>choice of user stories for the sprint</a:t>
             </a:r>
@@ -5880,7 +5532,7 @@
             </a:endParaRPr>
           </a:p>
           <a:p>
-            <a:pPr lvl="2" marL="1143000" indent="-227880">
+            <a:pPr lvl="2" marL="1143000" indent="-227520">
               <a:lnSpc>
                 <a:spcPct val="100000"/>
               </a:lnSpc>
@@ -5901,6 +5553,7 @@
                   </a:solidFill>
                 </a:uFill>
                 <a:latin typeface="Calibri"/>
+                <a:ea typeface="DejaVu Sans"/>
               </a:rPr>
               <a:t>separation of user stories into tasks</a:t>
             </a:r>
@@ -5917,7 +5570,7 @@
             </a:endParaRPr>
           </a:p>
           <a:p>
-            <a:pPr lvl="2" marL="1143000" indent="-227880">
+            <a:pPr lvl="2" marL="1143000" indent="-227520">
               <a:lnSpc>
                 <a:spcPct val="100000"/>
               </a:lnSpc>
@@ -5938,6 +5591,7 @@
                   </a:solidFill>
                 </a:uFill>
                 <a:latin typeface="Calibri"/>
+                <a:ea typeface="DejaVu Sans"/>
               </a:rPr>
               <a:t>estimate of effort</a:t>
             </a:r>
@@ -5954,7 +5608,7 @@
             </a:endParaRPr>
           </a:p>
           <a:p>
-            <a:pPr lvl="1" marL="685800" indent="-227880">
+            <a:pPr lvl="1" marL="685800" indent="-227520">
               <a:lnSpc>
                 <a:spcPct val="100000"/>
               </a:lnSpc>
@@ -5975,6 +5629,7 @@
                   </a:solidFill>
                 </a:uFill>
                 <a:latin typeface="Calibri"/>
+                <a:ea typeface="DejaVu Sans"/>
               </a:rPr>
               <a:t>Daily Scrum</a:t>
             </a:r>
@@ -5991,7 +5646,7 @@
             </a:endParaRPr>
           </a:p>
           <a:p>
-            <a:pPr lvl="2" marL="1143000" indent="-227880">
+            <a:pPr lvl="2" marL="1143000" indent="-227520">
               <a:lnSpc>
                 <a:spcPct val="100000"/>
               </a:lnSpc>
@@ -6012,6 +5667,7 @@
                   </a:solidFill>
                 </a:uFill>
                 <a:latin typeface="Calibri"/>
+                <a:ea typeface="DejaVu Sans"/>
               </a:rPr>
               <a:t>what is done, what will we do</a:t>
             </a:r>
@@ -6028,7 +5684,7 @@
             </a:endParaRPr>
           </a:p>
           <a:p>
-            <a:pPr lvl="2" marL="1143000" indent="-227880">
+            <a:pPr lvl="2" marL="1143000" indent="-227520">
               <a:lnSpc>
                 <a:spcPct val="100000"/>
               </a:lnSpc>
@@ -6049,6 +5705,7 @@
                   </a:solidFill>
                 </a:uFill>
                 <a:latin typeface="Calibri"/>
+                <a:ea typeface="DejaVu Sans"/>
               </a:rPr>
               <a:t>Update tasks and burndown chart</a:t>
             </a:r>
@@ -6065,7 +5722,7 @@
             </a:endParaRPr>
           </a:p>
           <a:p>
-            <a:pPr lvl="1" marL="685800" indent="-227880">
+            <a:pPr lvl="1" marL="685800" indent="-227520">
               <a:lnSpc>
                 <a:spcPct val="100000"/>
               </a:lnSpc>
@@ -6086,6 +5743,7 @@
                   </a:solidFill>
                 </a:uFill>
                 <a:latin typeface="Calibri"/>
+                <a:ea typeface="DejaVu Sans"/>
               </a:rPr>
               <a:t>Sprint review</a:t>
             </a:r>
@@ -6102,7 +5760,7 @@
             </a:endParaRPr>
           </a:p>
           <a:p>
-            <a:pPr lvl="1" marL="685800" indent="-227880">
+            <a:pPr lvl="1" marL="685800" indent="-227520">
               <a:lnSpc>
                 <a:spcPct val="100000"/>
               </a:lnSpc>
@@ -6123,6 +5781,7 @@
                   </a:solidFill>
                 </a:uFill>
                 <a:latin typeface="Calibri"/>
+                <a:ea typeface="DejaVu Sans"/>
               </a:rPr>
               <a:t>Sprint retrospective</a:t>
             </a:r>
@@ -6142,7 +5801,7 @@
       </p:sp>
     </p:spTree>
   </p:cSld>
-  <p:transition spd="med" advTm="10000">
+  <p:transition spd="med">
     <p:wipe dir="u"/>
   </p:transition>
   <p:timing>
@@ -6201,7 +5860,7 @@
         <p:spPr>
           <a:xfrm>
             <a:off x="2324160" y="365040"/>
-            <a:ext cx="9029160" cy="1324800"/>
+            <a:ext cx="9028800" cy="1324440"/>
           </a:xfrm>
           <a:prstGeom prst="rect">
             <a:avLst/>
@@ -6236,6 +5895,7 @@
                   </a:solidFill>
                 </a:uFill>
                 <a:latin typeface="Cambria"/>
+                <a:ea typeface="DejaVu Sans"/>
               </a:rPr>
               <a:t>What is Scrum?</a:t>
             </a:r>
@@ -6262,7 +5922,7 @@
         <p:spPr>
           <a:xfrm>
             <a:off x="1562040" y="4192560"/>
-            <a:ext cx="9790920" cy="1633680"/>
+            <a:ext cx="9790560" cy="1633320"/>
           </a:xfrm>
           <a:prstGeom prst="rect">
             <a:avLst/>
@@ -6297,6 +5957,7 @@
                   </a:solidFill>
                 </a:uFill>
                 <a:latin typeface="Calibri"/>
+                <a:ea typeface="DejaVu Sans"/>
               </a:rPr>
               <a:t>Scrum is an iterative and incremental framework for managing product development. Scrum allows in rigidly fixed and short-term iterations, called sprints, to provide the end user with working software with new features for which the highest priority is determined.</a:t>
             </a:r>
@@ -6327,7 +5988,7 @@
         <p:spPr>
           <a:xfrm>
             <a:off x="3956400" y="1690560"/>
-            <a:ext cx="5002560" cy="2500920"/>
+            <a:ext cx="5002200" cy="2500560"/>
           </a:xfrm>
           <a:prstGeom prst="rect">
             <a:avLst/>
@@ -6339,7 +6000,7 @@
       </p:pic>
     </p:spTree>
   </p:cSld>
-  <p:transition spd="med" advTm="10000">
+  <p:transition spd="med">
     <p:wipe dir="u"/>
   </p:transition>
   <p:timing>
@@ -6398,7 +6059,7 @@
         <p:spPr>
           <a:xfrm>
             <a:off x="1842840" y="0"/>
-            <a:ext cx="9029160" cy="1324800"/>
+            <a:ext cx="9028800" cy="1324440"/>
           </a:xfrm>
           <a:prstGeom prst="rect">
             <a:avLst/>
@@ -6433,6 +6094,7 @@
                   </a:solidFill>
                 </a:uFill>
                 <a:latin typeface="Cambria"/>
+                <a:ea typeface="DejaVu Sans"/>
               </a:rPr>
               <a:t>What is Scrum?</a:t>
             </a:r>
@@ -6459,7 +6121,7 @@
         <p:spPr>
           <a:xfrm>
             <a:off x="1368000" y="1296000"/>
-            <a:ext cx="9790920" cy="4350600"/>
+            <a:ext cx="9790560" cy="4350240"/>
           </a:xfrm>
           <a:prstGeom prst="rect">
             <a:avLst/>
@@ -6494,6 +6156,7 @@
                   </a:solidFill>
                 </a:uFill>
                 <a:latin typeface="Calibri"/>
+                <a:ea typeface="DejaVu Sans"/>
               </a:rPr>
               <a:t>A key principle of Scrum is the double recognition that customers will change their minds about what they want or need (often called variability of requirements), and that unpredictable problems will arise for which a predictive or planned approach is not suitable. Thus, Scrum takes an empirical evidence-based approach, recognizing that the problem cannot be fully understood or determined in advance, and instead focuses on how to maximize the team’s ability to quickly complete tasks, respond to emerging requirements, and adapt to evolving technology and changing market conditions.</a:t>
             </a:r>
@@ -6513,7 +6176,7 @@
       </p:sp>
     </p:spTree>
   </p:cSld>
-  <p:transition spd="med" advTm="10000">
+  <p:transition spd="med">
     <p:wipe dir="u"/>
   </p:transition>
   <p:timing>
@@ -6572,7 +6235,7 @@
         <p:spPr>
           <a:xfrm>
             <a:off x="1224000" y="43200"/>
-            <a:ext cx="9029160" cy="1324800"/>
+            <a:ext cx="9028800" cy="1324440"/>
           </a:xfrm>
           <a:prstGeom prst="rect">
             <a:avLst/>
@@ -6607,6 +6270,7 @@
                   </a:solidFill>
                 </a:uFill>
                 <a:latin typeface="Cambria"/>
+                <a:ea typeface="DejaVu Sans"/>
               </a:rPr>
               <a:t>Workflow</a:t>
             </a:r>
@@ -6633,7 +6297,7 @@
         <p:spPr>
           <a:xfrm>
             <a:off x="360000" y="1121400"/>
-            <a:ext cx="11230920" cy="4350600"/>
+            <a:ext cx="11230560" cy="4350240"/>
           </a:xfrm>
           <a:prstGeom prst="rect">
             <a:avLst/>
@@ -6668,6 +6332,7 @@
                   </a:solidFill>
                 </a:uFill>
                 <a:latin typeface="Calibri"/>
+                <a:ea typeface="DejaVu Sans"/>
               </a:rPr>
               <a:t>Sprint - an iteration in the battle during which the functional growth of the software is created. This is rigidly fixed in time. The duration of one sprint is from 1 to 4 weeks.</a:t>
             </a:r>
@@ -6700,6 +6365,7 @@
                   </a:solidFill>
                 </a:uFill>
                 <a:latin typeface="Calibri"/>
+                <a:ea typeface="DejaVu Sans"/>
               </a:rPr>
               <a:t>The Scrum methodology suggests holding a planning meeting at the beginning of the sprint, in which team members figure out how many elements they can complete, and then create a list of sprint tasks — a list of tasks that must be completed during the sprint.</a:t>
             </a:r>
@@ -6732,6 +6398,7 @@
                   </a:solidFill>
                 </a:uFill>
                 <a:latin typeface="Calibri"/>
+                <a:ea typeface="DejaVu Sans"/>
               </a:rPr>
               <a:t>During a fast Scrum sprint, the Scrum team takes on a small set of functions from idea to coded and tested functionality. In the end, these functions are fulfilled, that is, encoded, tested and integrated into a developing product or system.</a:t>
             </a:r>
@@ -6751,7 +6418,7 @@
       </p:sp>
     </p:spTree>
   </p:cSld>
-  <p:transition spd="med" advTm="10000">
+  <p:transition spd="med">
     <p:wipe dir="u"/>
   </p:transition>
   <p:timing>
@@ -6810,7 +6477,7 @@
         <p:spPr>
           <a:xfrm>
             <a:off x="402840" y="187200"/>
-            <a:ext cx="9029160" cy="1324800"/>
+            <a:ext cx="9028800" cy="1324440"/>
           </a:xfrm>
           <a:prstGeom prst="rect">
             <a:avLst/>
@@ -6845,6 +6512,7 @@
                   </a:solidFill>
                 </a:uFill>
                 <a:latin typeface="Cambria"/>
+                <a:ea typeface="DejaVu Sans"/>
               </a:rPr>
               <a:t>Workflow</a:t>
             </a:r>
@@ -6871,7 +6539,7 @@
         <p:spPr>
           <a:xfrm>
             <a:off x="402840" y="1337400"/>
-            <a:ext cx="11261160" cy="4350600"/>
+            <a:ext cx="11260800" cy="4350240"/>
           </a:xfrm>
           <a:prstGeom prst="rect">
             <a:avLst/>
@@ -6906,6 +6574,7 @@
                   </a:solidFill>
                 </a:uFill>
                 <a:latin typeface="Calibri"/>
+                <a:ea typeface="DejaVu Sans"/>
               </a:rPr>
               <a:t>On each sprint day, all team members must attend Scrum's daily meetings, including ScrumMaster and the product owner. Meeting time no more than 15 minutes. During this time, team members share what they worked on the previous day, will work on that day, and identify any obstacles to progress.</a:t>
             </a:r>
@@ -6938,6 +6607,7 @@
                   </a:solidFill>
                 </a:uFill>
                 <a:latin typeface="Calibri"/>
+                <a:ea typeface="DejaVu Sans"/>
               </a:rPr>
               <a:t>The Scrum model sees daily quarrels as a way to synchronize team members when they discuss sprint performance.</a:t>
             </a:r>
@@ -6970,6 +6640,7 @@
                   </a:solidFill>
                 </a:uFill>
                 <a:latin typeface="Calibri"/>
+                <a:ea typeface="DejaVu Sans"/>
               </a:rPr>
               <a:t>At the end of the sprint, the team reviews the sprint, during which the team demonstrates new features for the software or any other participant who wants to provide feedback that could affect the next sprint.</a:t>
             </a:r>
@@ -6989,7 +6660,7 @@
       </p:sp>
     </p:spTree>
   </p:cSld>
-  <p:transition spd="med" advTm="10000">
+  <p:transition spd="med">
     <p:wipe dir="u"/>
   </p:transition>
   <p:timing>
@@ -7048,7 +6719,7 @@
         <p:spPr>
           <a:xfrm>
             <a:off x="402840" y="288000"/>
-            <a:ext cx="9029160" cy="1324800"/>
+            <a:ext cx="9028800" cy="1324440"/>
           </a:xfrm>
           <a:prstGeom prst="rect">
             <a:avLst/>
@@ -7083,6 +6754,7 @@
                   </a:solidFill>
                 </a:uFill>
                 <a:latin typeface="Cambria"/>
+                <a:ea typeface="DejaVu Sans"/>
               </a:rPr>
               <a:t>Workflow</a:t>
             </a:r>
@@ -7109,7 +6781,7 @@
         <p:spPr>
           <a:xfrm>
             <a:off x="505080" y="1512000"/>
-            <a:ext cx="9790920" cy="4350600"/>
+            <a:ext cx="9790560" cy="4350240"/>
           </a:xfrm>
           <a:prstGeom prst="rect">
             <a:avLst/>
@@ -7144,6 +6816,7 @@
                   </a:solidFill>
                 </a:uFill>
                 <a:latin typeface="Calibri"/>
+                <a:ea typeface="DejaVu Sans"/>
               </a:rPr>
               <a:t>This feedback loop when developing Scrum software can lead to changes in recently delivered functionality, but with the same probability it can lead to a revision or addition of elements to the product backlog.</a:t>
             </a:r>
@@ -7176,6 +6849,7 @@
                   </a:solidFill>
                 </a:uFill>
                 <a:latin typeface="Calibri"/>
+                <a:ea typeface="DejaVu Sans"/>
               </a:rPr>
               <a:t>Another activity in Scrum project management is a sprint retrospective at the end of each sprint. The entire team participates in this meeting, including ScrumMaster and software. A meeting is an opportunity to think about a sprint that has ended and identify opportunities for improvement.</a:t>
             </a:r>
@@ -7195,7 +6869,7 @@
       </p:sp>
     </p:spTree>
   </p:cSld>
-  <p:transition spd="med" advTm="10000">
+  <p:transition spd="med">
     <p:wipe dir="u"/>
   </p:transition>
   <p:timing>
@@ -7254,7 +6928,7 @@
         <p:spPr>
           <a:xfrm>
             <a:off x="432000" y="216000"/>
-            <a:ext cx="9029160" cy="1324800"/>
+            <a:ext cx="9028800" cy="1324440"/>
           </a:xfrm>
           <a:prstGeom prst="rect">
             <a:avLst/>
@@ -7289,6 +6963,7 @@
                   </a:solidFill>
                 </a:uFill>
                 <a:latin typeface="Cambria"/>
+                <a:ea typeface="DejaVu Sans"/>
               </a:rPr>
               <a:t>Artifacts</a:t>
             </a:r>
@@ -7315,7 +6990,7 @@
         <p:spPr>
           <a:xfrm>
             <a:off x="288000" y="1512000"/>
-            <a:ext cx="9790920" cy="4350600"/>
+            <a:ext cx="9790560" cy="4350240"/>
           </a:xfrm>
           <a:prstGeom prst="rect">
             <a:avLst/>
@@ -7350,6 +7025,7 @@
                   </a:solidFill>
                 </a:uFill>
                 <a:latin typeface="Calibri"/>
+                <a:ea typeface="DejaVu Sans"/>
               </a:rPr>
               <a:t>A project backlog is a list of functional requirements, ordered by importance for implementation. Elements in this list are called user stories or journal items. The project’s wishbook is open for editing by all participants in the Scrum process.</a:t>
             </a:r>
@@ -7382,6 +7058,7 @@
                   </a:solidFill>
                 </a:uFill>
                 <a:latin typeface="Calibri"/>
+                <a:ea typeface="DejaVu Sans"/>
               </a:rPr>
               <a:t>The sprint wait log contains the functionality selected by the product owner from the product run log. All functions are divided into tasks, each of which is evaluated by the scrum team. Every day, the team estimates the amount of work that needs to be done to complete the sprint.</a:t>
             </a:r>
@@ -7419,7 +7096,7 @@
       </p:sp>
     </p:spTree>
   </p:cSld>
-  <p:transition spd="med" advTm="10000">
+  <p:transition spd="med">
     <p:wipe dir="u"/>
   </p:transition>
   <p:timing>
@@ -7478,7 +7155,7 @@
         <p:spPr>
           <a:xfrm>
             <a:off x="504000" y="144000"/>
-            <a:ext cx="9029160" cy="1324800"/>
+            <a:ext cx="9028800" cy="1324440"/>
           </a:xfrm>
           <a:prstGeom prst="rect">
             <a:avLst/>
@@ -7513,6 +7190,7 @@
                   </a:solidFill>
                 </a:uFill>
                 <a:latin typeface="Cambria"/>
+                <a:ea typeface="DejaVu Sans"/>
               </a:rPr>
               <a:t>Artifacts</a:t>
             </a:r>
@@ -7539,7 +7217,7 @@
         <p:spPr>
           <a:xfrm>
             <a:off x="277920" y="1512360"/>
-            <a:ext cx="6529320" cy="4895640"/>
+            <a:ext cx="6528960" cy="4895280"/>
           </a:xfrm>
           <a:prstGeom prst="rect">
             <a:avLst/>
@@ -7574,6 +7252,7 @@
                   </a:solidFill>
                 </a:uFill>
                 <a:latin typeface="Calibri"/>
+                <a:ea typeface="DejaVu Sans"/>
               </a:rPr>
               <a:t>Additional artifacts resulting from Scrum's flexible methodology are the sprint recession chart and the release recession chart. Burndown charts show the amount of work left in either a sprint or release and are an effective tool in Scrum software development to determine if a sprint or release is scheduled so that all scheduled work is completed by the desired date.</a:t>
             </a:r>
@@ -7604,7 +7283,7 @@
         <p:spPr>
           <a:xfrm>
             <a:off x="7272000" y="2426400"/>
-            <a:ext cx="4546080" cy="2685600"/>
+            <a:ext cx="4545720" cy="2685240"/>
           </a:xfrm>
           <a:prstGeom prst="rect">
             <a:avLst/>
@@ -7616,7 +7295,7 @@
       </p:pic>
     </p:spTree>
   </p:cSld>
-  <p:transition spd="med" advTm="10000">
+  <p:transition spd="med">
     <p:wipe dir="u"/>
   </p:transition>
   <p:timing>
@@ -7675,7 +7354,7 @@
         <p:spPr>
           <a:xfrm>
             <a:off x="360000" y="187200"/>
-            <a:ext cx="9029160" cy="1324800"/>
+            <a:ext cx="9028800" cy="1324440"/>
           </a:xfrm>
           <a:prstGeom prst="rect">
             <a:avLst/>
@@ -7710,6 +7389,7 @@
                   </a:solidFill>
                 </a:uFill>
                 <a:latin typeface="Cambria"/>
+                <a:ea typeface="DejaVu Sans"/>
               </a:rPr>
               <a:t>Roles</a:t>
             </a:r>
@@ -7736,7 +7416,7 @@
         <p:spPr>
           <a:xfrm>
             <a:off x="361080" y="1553400"/>
-            <a:ext cx="9790920" cy="4350600"/>
+            <a:ext cx="9790560" cy="4350240"/>
           </a:xfrm>
           <a:prstGeom prst="rect">
             <a:avLst/>
@@ -7771,6 +7451,7 @@
                   </a:solidFill>
                 </a:uFill>
                 <a:latin typeface="Calibri"/>
+                <a:ea typeface="DejaVu Sans"/>
               </a:rPr>
               <a:t>The product owner represents the interests of end users and other interested parties in the product. The product owner is responsible for prioritizing the Scrum development process to ensure that it meets the requirements as additional information about the system being created, its users, the team, and so on.</a:t>
             </a:r>
@@ -7803,6 +7484,7 @@
                   </a:solidFill>
                 </a:uFill>
                 <a:latin typeface="Calibri"/>
+                <a:ea typeface="DejaVu Sans"/>
               </a:rPr>
               <a:t>The Scrum master holds meetings, monitors compliance with all the principles of the fight, resolves contradictions and protects the team from distractions. This role does not imply anything but the proper conduct of the scrum process.</a:t>
             </a:r>
@@ -7822,7 +7504,7 @@
       </p:sp>
     </p:spTree>
   </p:cSld>
-  <p:transition spd="med" advTm="10000">
+  <p:transition spd="med">
     <p:wipe dir="u"/>
   </p:transition>
   <p:timing>
